--- a/Documents/MushroomNodeDataFormat.pptx
+++ b/Documents/MushroomNodeDataFormat.pptx
@@ -104,6 +104,11 @@
       </a:defRPr>
     </a:lvl9pPr>
   </p:defaultTextStyle>
+  <p:extLst>
+    <p:ext uri="{EFAFB233-063F-42B5-8137-9DF3F51BA10A}">
+      <p15:sldGuideLst xmlns:p15="http://schemas.microsoft.com/office/powerpoint/2012/main"/>
+    </p:ext>
+  </p:extLst>
 </p:presentation>
 </file>
 
@@ -254,7 +259,7 @@
           <a:p>
             <a:fld id="{999BA8B1-AC7A-4ACD-BD3C-957A80323EE3}" type="datetimeFigureOut">
               <a:rPr lang="en-US" smtClean="0"/>
-              <a:t>9/12/2020</a:t>
+              <a:t>9/21/2020</a:t>
             </a:fld>
             <a:endParaRPr lang="en-US"/>
           </a:p>
@@ -452,7 +457,7 @@
           <a:p>
             <a:fld id="{999BA8B1-AC7A-4ACD-BD3C-957A80323EE3}" type="datetimeFigureOut">
               <a:rPr lang="en-US" smtClean="0"/>
-              <a:t>9/12/2020</a:t>
+              <a:t>9/21/2020</a:t>
             </a:fld>
             <a:endParaRPr lang="en-US"/>
           </a:p>
@@ -660,7 +665,7 @@
           <a:p>
             <a:fld id="{999BA8B1-AC7A-4ACD-BD3C-957A80323EE3}" type="datetimeFigureOut">
               <a:rPr lang="en-US" smtClean="0"/>
-              <a:t>9/12/2020</a:t>
+              <a:t>9/21/2020</a:t>
             </a:fld>
             <a:endParaRPr lang="en-US"/>
           </a:p>
@@ -858,7 +863,7 @@
           <a:p>
             <a:fld id="{999BA8B1-AC7A-4ACD-BD3C-957A80323EE3}" type="datetimeFigureOut">
               <a:rPr lang="en-US" smtClean="0"/>
-              <a:t>9/12/2020</a:t>
+              <a:t>9/21/2020</a:t>
             </a:fld>
             <a:endParaRPr lang="en-US"/>
           </a:p>
@@ -1133,7 +1138,7 @@
           <a:p>
             <a:fld id="{999BA8B1-AC7A-4ACD-BD3C-957A80323EE3}" type="datetimeFigureOut">
               <a:rPr lang="en-US" smtClean="0"/>
-              <a:t>9/12/2020</a:t>
+              <a:t>9/21/2020</a:t>
             </a:fld>
             <a:endParaRPr lang="en-US"/>
           </a:p>
@@ -1398,7 +1403,7 @@
           <a:p>
             <a:fld id="{999BA8B1-AC7A-4ACD-BD3C-957A80323EE3}" type="datetimeFigureOut">
               <a:rPr lang="en-US" smtClean="0"/>
-              <a:t>9/12/2020</a:t>
+              <a:t>9/21/2020</a:t>
             </a:fld>
             <a:endParaRPr lang="en-US"/>
           </a:p>
@@ -1810,7 +1815,7 @@
           <a:p>
             <a:fld id="{999BA8B1-AC7A-4ACD-BD3C-957A80323EE3}" type="datetimeFigureOut">
               <a:rPr lang="en-US" smtClean="0"/>
-              <a:t>9/12/2020</a:t>
+              <a:t>9/21/2020</a:t>
             </a:fld>
             <a:endParaRPr lang="en-US"/>
           </a:p>
@@ -1951,7 +1956,7 @@
           <a:p>
             <a:fld id="{999BA8B1-AC7A-4ACD-BD3C-957A80323EE3}" type="datetimeFigureOut">
               <a:rPr lang="en-US" smtClean="0"/>
-              <a:t>9/12/2020</a:t>
+              <a:t>9/21/2020</a:t>
             </a:fld>
             <a:endParaRPr lang="en-US"/>
           </a:p>
@@ -2064,7 +2069,7 @@
           <a:p>
             <a:fld id="{999BA8B1-AC7A-4ACD-BD3C-957A80323EE3}" type="datetimeFigureOut">
               <a:rPr lang="en-US" smtClean="0"/>
-              <a:t>9/12/2020</a:t>
+              <a:t>9/21/2020</a:t>
             </a:fld>
             <a:endParaRPr lang="en-US"/>
           </a:p>
@@ -2375,7 +2380,7 @@
           <a:p>
             <a:fld id="{999BA8B1-AC7A-4ACD-BD3C-957A80323EE3}" type="datetimeFigureOut">
               <a:rPr lang="en-US" smtClean="0"/>
-              <a:t>9/12/2020</a:t>
+              <a:t>9/21/2020</a:t>
             </a:fld>
             <a:endParaRPr lang="en-US"/>
           </a:p>
@@ -2663,7 +2668,7 @@
           <a:p>
             <a:fld id="{999BA8B1-AC7A-4ACD-BD3C-957A80323EE3}" type="datetimeFigureOut">
               <a:rPr lang="en-US" smtClean="0"/>
-              <a:t>9/12/2020</a:t>
+              <a:t>9/21/2020</a:t>
             </a:fld>
             <a:endParaRPr lang="en-US"/>
           </a:p>
@@ -2904,7 +2909,7 @@
           <a:p>
             <a:fld id="{999BA8B1-AC7A-4ACD-BD3C-957A80323EE3}" type="datetimeFigureOut">
               <a:rPr lang="en-US" smtClean="0"/>
-              <a:t>9/12/2020</a:t>
+              <a:t>9/21/2020</a:t>
             </a:fld>
             <a:endParaRPr lang="en-US"/>
           </a:p>
@@ -4468,7 +4473,7 @@
         <p:spPr>
           <a:xfrm>
             <a:off x="7667845" y="4887615"/>
-            <a:ext cx="1329210" cy="461665"/>
+            <a:ext cx="1464953" cy="461665"/>
           </a:xfrm>
           <a:prstGeom prst="rect">
             <a:avLst/>
@@ -4489,7 +4494,7 @@
                   </a:schemeClr>
                 </a:solidFill>
               </a:rPr>
-              <a:t>Humidity</a:t>
+              <a:t>Fan Status</a:t>
             </a:r>
           </a:p>
         </p:txBody>

--- a/Documents/MushroomNodeDataFormat.pptx
+++ b/Documents/MushroomNodeDataFormat.pptx
@@ -259,7 +259,7 @@
           <a:p>
             <a:fld id="{999BA8B1-AC7A-4ACD-BD3C-957A80323EE3}" type="datetimeFigureOut">
               <a:rPr lang="en-US" smtClean="0"/>
-              <a:t>9/21/2020</a:t>
+              <a:t>10/23/2020</a:t>
             </a:fld>
             <a:endParaRPr lang="en-US"/>
           </a:p>
@@ -457,7 +457,7 @@
           <a:p>
             <a:fld id="{999BA8B1-AC7A-4ACD-BD3C-957A80323EE3}" type="datetimeFigureOut">
               <a:rPr lang="en-US" smtClean="0"/>
-              <a:t>9/21/2020</a:t>
+              <a:t>10/23/2020</a:t>
             </a:fld>
             <a:endParaRPr lang="en-US"/>
           </a:p>
@@ -665,7 +665,7 @@
           <a:p>
             <a:fld id="{999BA8B1-AC7A-4ACD-BD3C-957A80323EE3}" type="datetimeFigureOut">
               <a:rPr lang="en-US" smtClean="0"/>
-              <a:t>9/21/2020</a:t>
+              <a:t>10/23/2020</a:t>
             </a:fld>
             <a:endParaRPr lang="en-US"/>
           </a:p>
@@ -863,7 +863,7 @@
           <a:p>
             <a:fld id="{999BA8B1-AC7A-4ACD-BD3C-957A80323EE3}" type="datetimeFigureOut">
               <a:rPr lang="en-US" smtClean="0"/>
-              <a:t>9/21/2020</a:t>
+              <a:t>10/23/2020</a:t>
             </a:fld>
             <a:endParaRPr lang="en-US"/>
           </a:p>
@@ -1138,7 +1138,7 @@
           <a:p>
             <a:fld id="{999BA8B1-AC7A-4ACD-BD3C-957A80323EE3}" type="datetimeFigureOut">
               <a:rPr lang="en-US" smtClean="0"/>
-              <a:t>9/21/2020</a:t>
+              <a:t>10/23/2020</a:t>
             </a:fld>
             <a:endParaRPr lang="en-US"/>
           </a:p>
@@ -1403,7 +1403,7 @@
           <a:p>
             <a:fld id="{999BA8B1-AC7A-4ACD-BD3C-957A80323EE3}" type="datetimeFigureOut">
               <a:rPr lang="en-US" smtClean="0"/>
-              <a:t>9/21/2020</a:t>
+              <a:t>10/23/2020</a:t>
             </a:fld>
             <a:endParaRPr lang="en-US"/>
           </a:p>
@@ -1815,7 +1815,7 @@
           <a:p>
             <a:fld id="{999BA8B1-AC7A-4ACD-BD3C-957A80323EE3}" type="datetimeFigureOut">
               <a:rPr lang="en-US" smtClean="0"/>
-              <a:t>9/21/2020</a:t>
+              <a:t>10/23/2020</a:t>
             </a:fld>
             <a:endParaRPr lang="en-US"/>
           </a:p>
@@ -1956,7 +1956,7 @@
           <a:p>
             <a:fld id="{999BA8B1-AC7A-4ACD-BD3C-957A80323EE3}" type="datetimeFigureOut">
               <a:rPr lang="en-US" smtClean="0"/>
-              <a:t>9/21/2020</a:t>
+              <a:t>10/23/2020</a:t>
             </a:fld>
             <a:endParaRPr lang="en-US"/>
           </a:p>
@@ -2069,7 +2069,7 @@
           <a:p>
             <a:fld id="{999BA8B1-AC7A-4ACD-BD3C-957A80323EE3}" type="datetimeFigureOut">
               <a:rPr lang="en-US" smtClean="0"/>
-              <a:t>9/21/2020</a:t>
+              <a:t>10/23/2020</a:t>
             </a:fld>
             <a:endParaRPr lang="en-US"/>
           </a:p>
@@ -2380,7 +2380,7 @@
           <a:p>
             <a:fld id="{999BA8B1-AC7A-4ACD-BD3C-957A80323EE3}" type="datetimeFigureOut">
               <a:rPr lang="en-US" smtClean="0"/>
-              <a:t>9/21/2020</a:t>
+              <a:t>10/23/2020</a:t>
             </a:fld>
             <a:endParaRPr lang="en-US"/>
           </a:p>
@@ -2668,7 +2668,7 @@
           <a:p>
             <a:fld id="{999BA8B1-AC7A-4ACD-BD3C-957A80323EE3}" type="datetimeFigureOut">
               <a:rPr lang="en-US" smtClean="0"/>
-              <a:t>9/21/2020</a:t>
+              <a:t>10/23/2020</a:t>
             </a:fld>
             <a:endParaRPr lang="en-US"/>
           </a:p>
@@ -2909,7 +2909,7 @@
           <a:p>
             <a:fld id="{999BA8B1-AC7A-4ACD-BD3C-957A80323EE3}" type="datetimeFigureOut">
               <a:rPr lang="en-US" smtClean="0"/>
-              <a:t>9/21/2020</a:t>
+              <a:t>10/23/2020</a:t>
             </a:fld>
             <a:endParaRPr lang="en-US"/>
           </a:p>
@@ -3341,7 +3341,7 @@
         <p:spPr>
           <a:xfrm>
             <a:off x="3302493" y="3167390"/>
-            <a:ext cx="5587013" cy="523220"/>
+            <a:ext cx="6715768" cy="461665"/>
           </a:xfrm>
           <a:prstGeom prst="rect">
             <a:avLst/>
@@ -3355,11 +3355,11 @@
           <a:lstStyle/>
           <a:p>
             <a:r>
-              <a:rPr lang="en-US" sz="2800" dirty="0"/>
+              <a:rPr lang="en-US" sz="2400" dirty="0"/>
               <a:t>X0</a:t>
             </a:r>
             <a:r>
-              <a:rPr lang="en-US" sz="2800" dirty="0">
+              <a:rPr lang="en-US" sz="2400" dirty="0">
                 <a:solidFill>
                   <a:srgbClr val="C00000"/>
                 </a:solidFill>
@@ -3367,7 +3367,7 @@
               <a:t>X1</a:t>
             </a:r>
             <a:r>
-              <a:rPr lang="en-US" sz="2800" dirty="0">
+              <a:rPr lang="en-US" sz="2400" dirty="0">
                 <a:solidFill>
                   <a:schemeClr val="accent4"/>
                 </a:solidFill>
@@ -3375,7 +3375,7 @@
               <a:t>T32.30</a:t>
             </a:r>
             <a:r>
-              <a:rPr lang="en-US" sz="2800" dirty="0">
+              <a:rPr lang="en-US" sz="2400" dirty="0">
                 <a:solidFill>
                   <a:schemeClr val="accent1">
                     <a:lumMod val="75000"/>
@@ -3385,7 +3385,7 @@
               <a:t>H71.40</a:t>
             </a:r>
             <a:r>
-              <a:rPr lang="en-US" sz="2800" dirty="0">
+              <a:rPr lang="en-US" sz="2400" dirty="0">
                 <a:solidFill>
                   <a:srgbClr val="FF0000"/>
                 </a:solidFill>
@@ -3393,11 +3393,11 @@
               <a:t>30</a:t>
             </a:r>
             <a:r>
-              <a:rPr lang="en-US" sz="2800" dirty="0"/>
+              <a:rPr lang="en-US" sz="2400" dirty="0"/>
               <a:t>80</a:t>
             </a:r>
             <a:r>
-              <a:rPr lang="en-US" sz="2800" dirty="0">
+              <a:rPr lang="en-US" sz="2400" dirty="0">
                 <a:solidFill>
                   <a:srgbClr val="C00000"/>
                 </a:solidFill>
@@ -3405,7 +3405,7 @@
               <a:t>M0</a:t>
             </a:r>
             <a:r>
-              <a:rPr lang="en-US" sz="2800" dirty="0">
+              <a:rPr lang="en-US" sz="2400" dirty="0">
                 <a:solidFill>
                   <a:srgbClr val="FFC000"/>
                 </a:solidFill>
@@ -3413,7 +3413,7 @@
               <a:t>P1</a:t>
             </a:r>
             <a:r>
-              <a:rPr lang="en-US" sz="2800" dirty="0">
+              <a:rPr lang="en-US" sz="2400" dirty="0">
                 <a:solidFill>
                   <a:schemeClr val="accent1">
                     <a:lumMod val="75000"/>
@@ -3423,7 +3423,7 @@
               <a:t>F1</a:t>
             </a:r>
             <a:r>
-              <a:rPr lang="en-US" sz="2800" dirty="0">
+              <a:rPr lang="en-US" sz="2400" dirty="0">
                 <a:solidFill>
                   <a:srgbClr val="FF0000"/>
                 </a:solidFill>
@@ -3431,8 +3431,20 @@
               <a:t>20</a:t>
             </a:r>
             <a:r>
-              <a:rPr lang="en-US" sz="2800" dirty="0"/>
+              <a:rPr lang="en-US" sz="2400" dirty="0"/>
               <a:t>85</a:t>
+            </a:r>
+            <a:r>
+              <a:rPr lang="en-US" sz="2400" dirty="0">
+                <a:solidFill>
+                  <a:srgbClr val="00B050"/>
+                </a:solidFill>
+              </a:rPr>
+              <a:t>L0200.33</a:t>
+            </a:r>
+            <a:r>
+              <a:rPr lang="en-US" sz="2400" dirty="0"/>
+              <a:t>200</a:t>
             </a:r>
           </a:p>
         </p:txBody>
@@ -3451,8 +3463,8 @@
         </p:nvSpPr>
         <p:spPr>
           <a:xfrm>
-            <a:off x="860542" y="4687410"/>
-            <a:ext cx="2441951" cy="461665"/>
+            <a:off x="1710855" y="4758716"/>
+            <a:ext cx="2441951" cy="400110"/>
           </a:xfrm>
           <a:prstGeom prst="rect">
             <a:avLst/>
@@ -3460,13 +3472,13 @@
           <a:noFill/>
         </p:spPr>
         <p:txBody>
-          <a:bodyPr wrap="none" rtlCol="0">
+          <a:bodyPr wrap="square" rtlCol="0">
             <a:spAutoFit/>
           </a:bodyPr>
           <a:lstStyle/>
           <a:p>
             <a:r>
-              <a:rPr lang="en-US" sz="2400" dirty="0"/>
+              <a:rPr lang="en-US" sz="2000" dirty="0"/>
               <a:t>STA Node Address</a:t>
             </a:r>
           </a:p>
@@ -3486,8 +3498,8 @@
         </p:nvSpPr>
         <p:spPr>
           <a:xfrm>
-            <a:off x="2476870" y="3684233"/>
-            <a:ext cx="985421" cy="905522"/>
+            <a:off x="2931831" y="3566038"/>
+            <a:ext cx="606891" cy="1085852"/>
           </a:xfrm>
           <a:custGeom>
             <a:avLst/>
@@ -3554,7 +3566,7 @@
           <a:lstStyle/>
           <a:p>
             <a:pPr algn="ctr"/>
-            <a:endParaRPr lang="en-US"/>
+            <a:endParaRPr lang="en-US" sz="1600"/>
           </a:p>
         </p:txBody>
       </p:sp>
@@ -3572,8 +3584,8 @@
         </p:nvSpPr>
         <p:spPr>
           <a:xfrm>
-            <a:off x="860541" y="1608339"/>
-            <a:ext cx="2377446" cy="830997"/>
+            <a:off x="1775906" y="1668387"/>
+            <a:ext cx="2377446" cy="707886"/>
           </a:xfrm>
           <a:prstGeom prst="rect">
             <a:avLst/>
@@ -3581,13 +3593,13 @@
           <a:noFill/>
         </p:spPr>
         <p:txBody>
-          <a:bodyPr wrap="none" rtlCol="0">
+          <a:bodyPr wrap="square" rtlCol="0">
             <a:spAutoFit/>
           </a:bodyPr>
           <a:lstStyle/>
           <a:p>
             <a:r>
-              <a:rPr lang="en-US" sz="2400" dirty="0">
+              <a:rPr lang="en-US" sz="2000" dirty="0">
                 <a:solidFill>
                   <a:srgbClr val="C00000"/>
                 </a:solidFill>
@@ -3597,7 +3609,7 @@
           </a:p>
           <a:p>
             <a:r>
-              <a:rPr lang="en-US" sz="2400" dirty="0">
+              <a:rPr lang="en-US" sz="2000" dirty="0">
                 <a:solidFill>
                   <a:srgbClr val="C00000"/>
                 </a:solidFill>
@@ -3621,8 +3633,8 @@
         </p:nvSpPr>
         <p:spPr>
           <a:xfrm>
-            <a:off x="2219417" y="2068497"/>
-            <a:ext cx="1642369" cy="1180730"/>
+            <a:off x="2931831" y="2186697"/>
+            <a:ext cx="929955" cy="1062530"/>
           </a:xfrm>
           <a:custGeom>
             <a:avLst/>
@@ -3692,7 +3704,7 @@
           <a:lstStyle/>
           <a:p>
             <a:pPr algn="ctr"/>
-            <a:endParaRPr lang="en-US"/>
+            <a:endParaRPr lang="en-US" sz="1600"/>
           </a:p>
         </p:txBody>
       </p:sp>
@@ -3711,7 +3723,7 @@
         <p:spPr>
           <a:xfrm>
             <a:off x="3462291" y="5157980"/>
-            <a:ext cx="1790362" cy="461665"/>
+            <a:ext cx="1790362" cy="400110"/>
           </a:xfrm>
           <a:prstGeom prst="rect">
             <a:avLst/>
@@ -3719,13 +3731,13 @@
           <a:noFill/>
         </p:spPr>
         <p:txBody>
-          <a:bodyPr wrap="none" rtlCol="0">
+          <a:bodyPr wrap="square" rtlCol="0">
             <a:spAutoFit/>
           </a:bodyPr>
           <a:lstStyle/>
           <a:p>
             <a:r>
-              <a:rPr lang="en-US" sz="2400" dirty="0">
+              <a:rPr lang="en-US" sz="2000" dirty="0">
                 <a:solidFill>
                   <a:schemeClr val="accent4"/>
                 </a:solidFill>
@@ -3749,8 +3761,8 @@
         </p:nvSpPr>
         <p:spPr>
           <a:xfrm>
-            <a:off x="4325907" y="3719744"/>
-            <a:ext cx="139561" cy="1455938"/>
+            <a:off x="4325908" y="3595456"/>
+            <a:ext cx="118338" cy="1580226"/>
           </a:xfrm>
           <a:custGeom>
             <a:avLst/>
@@ -3817,7 +3829,7 @@
           <a:lstStyle/>
           <a:p>
             <a:pPr algn="ctr"/>
-            <a:endParaRPr lang="en-US"/>
+            <a:endParaRPr lang="en-US" sz="1600"/>
           </a:p>
         </p:txBody>
       </p:sp>
@@ -3835,8 +3847,8 @@
         </p:nvSpPr>
         <p:spPr>
           <a:xfrm>
-            <a:off x="4047332" y="1469187"/>
-            <a:ext cx="1329210" cy="461665"/>
+            <a:off x="3566877" y="1482263"/>
+            <a:ext cx="1329210" cy="400110"/>
           </a:xfrm>
           <a:prstGeom prst="rect">
             <a:avLst/>
@@ -3844,13 +3856,13 @@
           <a:noFill/>
         </p:spPr>
         <p:txBody>
-          <a:bodyPr wrap="none" rtlCol="0">
+          <a:bodyPr wrap="square" rtlCol="0">
             <a:spAutoFit/>
           </a:bodyPr>
           <a:lstStyle/>
           <a:p>
             <a:r>
-              <a:rPr lang="en-US" sz="2400" dirty="0">
+              <a:rPr lang="en-US" sz="2000" dirty="0">
                 <a:solidFill>
                   <a:schemeClr val="accent1">
                     <a:lumMod val="75000"/>
@@ -3876,8 +3888,8 @@
         </p:nvSpPr>
         <p:spPr>
           <a:xfrm>
-            <a:off x="4962617" y="1953087"/>
-            <a:ext cx="662213" cy="1216241"/>
+            <a:off x="4399181" y="1882373"/>
+            <a:ext cx="918133" cy="1313588"/>
           </a:xfrm>
           <a:custGeom>
             <a:avLst/>
@@ -3949,7 +3961,7 @@
           <a:lstStyle/>
           <a:p>
             <a:pPr algn="ctr"/>
-            <a:endParaRPr lang="en-US"/>
+            <a:endParaRPr lang="en-US" sz="1600"/>
           </a:p>
         </p:txBody>
       </p:sp>
@@ -3968,7 +3980,7 @@
         <p:spPr>
           <a:xfrm>
             <a:off x="4896087" y="4558670"/>
-            <a:ext cx="2399824" cy="461665"/>
+            <a:ext cx="2399824" cy="400110"/>
           </a:xfrm>
           <a:prstGeom prst="rect">
             <a:avLst/>
@@ -3976,13 +3988,13 @@
           <a:noFill/>
         </p:spPr>
         <p:txBody>
-          <a:bodyPr wrap="none" rtlCol="0">
+          <a:bodyPr wrap="square" rtlCol="0">
             <a:spAutoFit/>
           </a:bodyPr>
           <a:lstStyle/>
           <a:p>
             <a:r>
-              <a:rPr lang="en-US" sz="2400" dirty="0">
+              <a:rPr lang="en-US" sz="2000" dirty="0">
                 <a:solidFill>
                   <a:srgbClr val="FF0000"/>
                 </a:solidFill>
@@ -4006,8 +4018,8 @@
         </p:nvSpPr>
         <p:spPr>
           <a:xfrm>
-            <a:off x="5779363" y="3666478"/>
-            <a:ext cx="479394" cy="941033"/>
+            <a:off x="5779363" y="3566038"/>
+            <a:ext cx="147218" cy="1041473"/>
           </a:xfrm>
           <a:custGeom>
             <a:avLst/>
@@ -4077,7 +4089,7 @@
           <a:lstStyle/>
           <a:p>
             <a:pPr algn="ctr"/>
-            <a:endParaRPr lang="en-US"/>
+            <a:endParaRPr lang="en-US" sz="1600"/>
           </a:p>
         </p:txBody>
       </p:sp>
@@ -4095,8 +4107,8 @@
         </p:nvSpPr>
         <p:spPr>
           <a:xfrm>
-            <a:off x="5771962" y="1492903"/>
-            <a:ext cx="1893467" cy="461665"/>
+            <a:off x="5162016" y="1500152"/>
+            <a:ext cx="1893467" cy="400110"/>
           </a:xfrm>
           <a:prstGeom prst="rect">
             <a:avLst/>
@@ -4104,13 +4116,13 @@
           <a:noFill/>
         </p:spPr>
         <p:txBody>
-          <a:bodyPr wrap="none" rtlCol="0">
+          <a:bodyPr wrap="square" rtlCol="0">
             <a:spAutoFit/>
           </a:bodyPr>
           <a:lstStyle/>
           <a:p>
             <a:r>
-              <a:rPr lang="en-US" sz="2400" dirty="0"/>
+              <a:rPr lang="en-US" sz="2000" dirty="0"/>
               <a:t>Min Humidity</a:t>
             </a:r>
           </a:p>
@@ -4130,8 +4142,8 @@
         </p:nvSpPr>
         <p:spPr>
           <a:xfrm>
-            <a:off x="6622486" y="1935332"/>
-            <a:ext cx="18011" cy="1216241"/>
+            <a:off x="6096000" y="1900262"/>
+            <a:ext cx="49017" cy="1348658"/>
           </a:xfrm>
           <a:custGeom>
             <a:avLst/>
@@ -4198,7 +4210,7 @@
           <a:lstStyle/>
           <a:p>
             <a:pPr algn="ctr"/>
-            <a:endParaRPr lang="en-US"/>
+            <a:endParaRPr lang="en-US" sz="1600"/>
           </a:p>
         </p:txBody>
       </p:sp>
@@ -4217,7 +4229,7 @@
         <p:spPr>
           <a:xfrm>
             <a:off x="6622486" y="5134264"/>
-            <a:ext cx="925253" cy="461665"/>
+            <a:ext cx="925253" cy="400110"/>
           </a:xfrm>
           <a:prstGeom prst="rect">
             <a:avLst/>
@@ -4225,13 +4237,13 @@
           <a:noFill/>
         </p:spPr>
         <p:txBody>
-          <a:bodyPr wrap="none" rtlCol="0">
+          <a:bodyPr wrap="square" rtlCol="0">
             <a:spAutoFit/>
           </a:bodyPr>
           <a:lstStyle/>
           <a:p>
             <a:r>
-              <a:rPr lang="en-US" sz="2400" dirty="0">
+              <a:rPr lang="en-US" sz="2000" dirty="0">
                 <a:solidFill>
                   <a:srgbClr val="C00000"/>
                 </a:solidFill>
@@ -4243,109 +4255,20 @@
       </p:sp>
       <p:sp>
         <p:nvSpPr>
-          <p:cNvPr id="30" name="Freeform: Shape 29">
-            <a:extLst>
-              <a:ext uri="{FF2B5EF4-FFF2-40B4-BE49-F238E27FC236}">
-                <a16:creationId xmlns:a16="http://schemas.microsoft.com/office/drawing/2014/main" id="{863128E7-B05F-4380-9763-817A44682343}"/>
-              </a:ext>
-            </a:extLst>
-          </p:cNvPr>
-          <p:cNvSpPr/>
+          <p:cNvPr id="32" name="TextBox 31">
+            <a:extLst>
+              <a:ext uri="{FF2B5EF4-FFF2-40B4-BE49-F238E27FC236}">
+                <a16:creationId xmlns:a16="http://schemas.microsoft.com/office/drawing/2014/main" id="{410C1893-32E1-4C88-95D6-7497D5B97F45}"/>
+              </a:ext>
+            </a:extLst>
+          </p:cNvPr>
+          <p:cNvSpPr txBox="1"/>
           <p:nvPr/>
         </p:nvSpPr>
         <p:spPr>
           <a:xfrm>
-            <a:off x="7164280" y="3701988"/>
-            <a:ext cx="381756" cy="1473694"/>
-          </a:xfrm>
-          <a:custGeom>
-            <a:avLst/>
-            <a:gdLst>
-              <a:gd name="connsiteX0" fmla="*/ 0 w 381756"/>
-              <a:gd name="connsiteY0" fmla="*/ 0 h 1473694"/>
-              <a:gd name="connsiteX1" fmla="*/ 381739 w 381756"/>
-              <a:gd name="connsiteY1" fmla="*/ 887767 h 1473694"/>
-              <a:gd name="connsiteX2" fmla="*/ 17755 w 381756"/>
-              <a:gd name="connsiteY2" fmla="*/ 1473694 h 1473694"/>
-            </a:gdLst>
-            <a:ahLst/>
-            <a:cxnLst>
-              <a:cxn ang="0">
-                <a:pos x="connsiteX0" y="connsiteY0"/>
-              </a:cxn>
-              <a:cxn ang="0">
-                <a:pos x="connsiteX1" y="connsiteY1"/>
-              </a:cxn>
-              <a:cxn ang="0">
-                <a:pos x="connsiteX2" y="connsiteY2"/>
-              </a:cxn>
-            </a:cxnLst>
-            <a:rect l="l" t="t" r="r" b="b"/>
-            <a:pathLst>
-              <a:path w="381756" h="1473694">
-                <a:moveTo>
-                  <a:pt x="0" y="0"/>
-                </a:moveTo>
-                <a:cubicBezTo>
-                  <a:pt x="189390" y="321075"/>
-                  <a:pt x="378780" y="642151"/>
-                  <a:pt x="381739" y="887767"/>
-                </a:cubicBezTo>
-                <a:cubicBezTo>
-                  <a:pt x="384698" y="1133383"/>
-                  <a:pt x="17755" y="1473694"/>
-                  <a:pt x="17755" y="1473694"/>
-                </a:cubicBezTo>
-              </a:path>
-            </a:pathLst>
-          </a:custGeom>
-          <a:ln>
-            <a:solidFill>
-              <a:srgbClr val="C00000"/>
-            </a:solidFill>
-            <a:headEnd type="none" w="med" len="med"/>
-            <a:tailEnd type="arrow" w="med" len="med"/>
-          </a:ln>
-        </p:spPr>
-        <p:style>
-          <a:lnRef idx="3">
-            <a:schemeClr val="dk1"/>
-          </a:lnRef>
-          <a:fillRef idx="0">
-            <a:schemeClr val="dk1"/>
-          </a:fillRef>
-          <a:effectRef idx="2">
-            <a:schemeClr val="dk1"/>
-          </a:effectRef>
-          <a:fontRef idx="minor">
-            <a:schemeClr val="tx1"/>
-          </a:fontRef>
-        </p:style>
-        <p:txBody>
-          <a:bodyPr rtlCol="0" anchor="ctr"/>
-          <a:lstStyle/>
-          <a:p>
-            <a:pPr algn="ctr"/>
-            <a:endParaRPr lang="en-US"/>
-          </a:p>
-        </p:txBody>
-      </p:sp>
-      <p:sp>
-        <p:nvSpPr>
-          <p:cNvPr id="32" name="TextBox 31">
-            <a:extLst>
-              <a:ext uri="{FF2B5EF4-FFF2-40B4-BE49-F238E27FC236}">
-                <a16:creationId xmlns:a16="http://schemas.microsoft.com/office/drawing/2014/main" id="{410C1893-32E1-4C88-95D6-7497D5B97F45}"/>
-              </a:ext>
-            </a:extLst>
-          </p:cNvPr>
-          <p:cNvSpPr txBox="1"/>
-          <p:nvPr/>
-        </p:nvSpPr>
-        <p:spPr>
-          <a:xfrm>
-            <a:off x="7665012" y="1508720"/>
-            <a:ext cx="1750544" cy="461665"/>
+            <a:off x="6792573" y="1457792"/>
+            <a:ext cx="1750544" cy="400110"/>
           </a:xfrm>
           <a:prstGeom prst="rect">
             <a:avLst/>
@@ -4353,13 +4276,13 @@
           <a:noFill/>
         </p:spPr>
         <p:txBody>
-          <a:bodyPr wrap="none" rtlCol="0">
+          <a:bodyPr wrap="square" rtlCol="0">
             <a:spAutoFit/>
           </a:bodyPr>
           <a:lstStyle/>
           <a:p>
             <a:r>
-              <a:rPr lang="en-US" sz="2400" dirty="0">
+              <a:rPr lang="en-US" sz="2000" dirty="0">
                 <a:solidFill>
                   <a:schemeClr val="accent4"/>
                 </a:solidFill>
@@ -4383,8 +4306,8 @@
         </p:nvSpPr>
         <p:spPr>
           <a:xfrm>
-            <a:off x="7485448" y="1917577"/>
-            <a:ext cx="682008" cy="1278384"/>
+            <a:off x="6874688" y="1857902"/>
+            <a:ext cx="695123" cy="1391018"/>
           </a:xfrm>
           <a:custGeom>
             <a:avLst/>
@@ -4454,7 +4377,7 @@
           <a:lstStyle/>
           <a:p>
             <a:pPr algn="ctr"/>
-            <a:endParaRPr lang="en-US"/>
+            <a:endParaRPr lang="en-US" sz="1600"/>
           </a:p>
         </p:txBody>
       </p:sp>
@@ -4472,8 +4395,8 @@
         </p:nvSpPr>
         <p:spPr>
           <a:xfrm>
-            <a:off x="7667845" y="4887615"/>
-            <a:ext cx="1464953" cy="461665"/>
+            <a:off x="7295911" y="4887465"/>
+            <a:ext cx="1464953" cy="400110"/>
           </a:xfrm>
           <a:prstGeom prst="rect">
             <a:avLst/>
@@ -4481,13 +4404,13 @@
           <a:noFill/>
         </p:spPr>
         <p:txBody>
-          <a:bodyPr wrap="none" rtlCol="0">
+          <a:bodyPr wrap="square" rtlCol="0">
             <a:spAutoFit/>
           </a:bodyPr>
           <a:lstStyle/>
           <a:p>
             <a:r>
-              <a:rPr lang="en-US" sz="2400" dirty="0">
+              <a:rPr lang="en-US" sz="2000" dirty="0">
                 <a:solidFill>
                   <a:schemeClr val="accent1">
                     <a:lumMod val="75000"/>
@@ -4513,8 +4436,8 @@
         </p:nvSpPr>
         <p:spPr>
           <a:xfrm>
-            <a:off x="7883371" y="3595456"/>
-            <a:ext cx="292963" cy="1331651"/>
+            <a:off x="7251082" y="3566038"/>
+            <a:ext cx="593974" cy="1321427"/>
           </a:xfrm>
           <a:custGeom>
             <a:avLst/>
@@ -4586,7 +4509,7 @@
           <a:lstStyle/>
           <a:p>
             <a:pPr algn="ctr"/>
-            <a:endParaRPr lang="en-US"/>
+            <a:endParaRPr lang="en-US" sz="1600"/>
           </a:p>
         </p:txBody>
       </p:sp>
@@ -4604,8 +4527,8 @@
         </p:nvSpPr>
         <p:spPr>
           <a:xfrm>
-            <a:off x="8995159" y="1970385"/>
-            <a:ext cx="2369431" cy="461665"/>
+            <a:off x="7845055" y="1744445"/>
+            <a:ext cx="2369431" cy="400110"/>
           </a:xfrm>
           <a:prstGeom prst="rect">
             <a:avLst/>
@@ -4613,18 +4536,18 @@
           <a:noFill/>
         </p:spPr>
         <p:txBody>
-          <a:bodyPr wrap="none" rtlCol="0">
+          <a:bodyPr wrap="square" rtlCol="0">
             <a:spAutoFit/>
           </a:bodyPr>
           <a:lstStyle/>
           <a:p>
             <a:r>
-              <a:rPr lang="en-US" sz="2400" dirty="0">
+              <a:rPr lang="en-US" sz="2000" dirty="0">
                 <a:solidFill>
                   <a:srgbClr val="FF0000"/>
                 </a:solidFill>
               </a:rPr>
-              <a:t>Low Temperature</a:t>
+              <a:t>Min Temperature</a:t>
             </a:r>
           </a:p>
         </p:txBody>
@@ -4643,8 +4566,8 @@
         </p:nvSpPr>
         <p:spPr>
           <a:xfrm>
-            <a:off x="8251807" y="2414726"/>
-            <a:ext cx="998725" cy="772357"/>
+            <a:off x="7499989" y="2186697"/>
+            <a:ext cx="978972" cy="1056751"/>
           </a:xfrm>
           <a:custGeom>
             <a:avLst/>
@@ -4714,7 +4637,7 @@
           <a:lstStyle/>
           <a:p>
             <a:pPr algn="ctr"/>
-            <a:endParaRPr lang="en-US"/>
+            <a:endParaRPr lang="en-US" sz="1600"/>
           </a:p>
         </p:txBody>
       </p:sp>
@@ -4732,8 +4655,8 @@
         </p:nvSpPr>
         <p:spPr>
           <a:xfrm>
-            <a:off x="9233140" y="4225745"/>
-            <a:ext cx="1938672" cy="461665"/>
+            <a:off x="8028387" y="5175682"/>
+            <a:ext cx="1938672" cy="400110"/>
           </a:xfrm>
           <a:prstGeom prst="rect">
             <a:avLst/>
@@ -4741,13 +4664,13 @@
           <a:noFill/>
         </p:spPr>
         <p:txBody>
-          <a:bodyPr wrap="none" rtlCol="0">
+          <a:bodyPr wrap="square" rtlCol="0">
             <a:spAutoFit/>
           </a:bodyPr>
           <a:lstStyle/>
           <a:p>
             <a:r>
-              <a:rPr lang="en-US" sz="2400" dirty="0"/>
+              <a:rPr lang="en-US" sz="2000" dirty="0"/>
               <a:t>Max Humidity</a:t>
             </a:r>
           </a:p>
@@ -4767,8 +4690,8 @@
         </p:nvSpPr>
         <p:spPr>
           <a:xfrm>
-            <a:off x="8655728" y="3622089"/>
-            <a:ext cx="1278385" cy="612560"/>
+            <a:off x="7845056" y="3629055"/>
+            <a:ext cx="960637" cy="1581000"/>
           </a:xfrm>
           <a:custGeom>
             <a:avLst/>
@@ -4807,6 +4730,334 @@
                   <a:pt x="1162975" y="421689"/>
                   <a:pt x="1220680" y="517124"/>
                   <a:pt x="1278385" y="612560"/>
+                </a:cubicBezTo>
+              </a:path>
+            </a:pathLst>
+          </a:custGeom>
+          <a:ln>
+            <a:headEnd type="none" w="med" len="med"/>
+            <a:tailEnd type="arrow" w="med" len="med"/>
+          </a:ln>
+        </p:spPr>
+        <p:style>
+          <a:lnRef idx="3">
+            <a:schemeClr val="dk1"/>
+          </a:lnRef>
+          <a:fillRef idx="0">
+            <a:schemeClr val="dk1"/>
+          </a:fillRef>
+          <a:effectRef idx="2">
+            <a:schemeClr val="dk1"/>
+          </a:effectRef>
+          <a:fontRef idx="minor">
+            <a:schemeClr val="tx1"/>
+          </a:fontRef>
+        </p:style>
+        <p:txBody>
+          <a:bodyPr rtlCol="0" anchor="ctr"/>
+          <a:lstStyle/>
+          <a:p>
+            <a:pPr algn="ctr"/>
+            <a:endParaRPr lang="en-US" sz="1600"/>
+          </a:p>
+        </p:txBody>
+      </p:sp>
+      <p:sp>
+        <p:nvSpPr>
+          <p:cNvPr id="2" name="Freeform: Shape 1">
+            <a:extLst>
+              <a:ext uri="{FF2B5EF4-FFF2-40B4-BE49-F238E27FC236}">
+                <a16:creationId xmlns:a16="http://schemas.microsoft.com/office/drawing/2014/main" id="{EAA9902A-8F3E-4D2C-A0AF-311750D4415D}"/>
+              </a:ext>
+            </a:extLst>
+          </p:cNvPr>
+          <p:cNvSpPr/>
+          <p:nvPr/>
+        </p:nvSpPr>
+        <p:spPr>
+          <a:xfrm>
+            <a:off x="6583680" y="3586038"/>
+            <a:ext cx="502369" cy="1614115"/>
+          </a:xfrm>
+          <a:custGeom>
+            <a:avLst/>
+            <a:gdLst>
+              <a:gd name="connsiteX0" fmla="*/ 0 w 502369"/>
+              <a:gd name="connsiteY0" fmla="*/ 0 h 1614115"/>
+              <a:gd name="connsiteX1" fmla="*/ 453224 w 502369"/>
+              <a:gd name="connsiteY1" fmla="*/ 1041621 h 1614115"/>
+              <a:gd name="connsiteX2" fmla="*/ 469127 w 502369"/>
+              <a:gd name="connsiteY2" fmla="*/ 1614115 h 1614115"/>
+            </a:gdLst>
+            <a:ahLst/>
+            <a:cxnLst>
+              <a:cxn ang="0">
+                <a:pos x="connsiteX0" y="connsiteY0"/>
+              </a:cxn>
+              <a:cxn ang="0">
+                <a:pos x="connsiteX1" y="connsiteY1"/>
+              </a:cxn>
+              <a:cxn ang="0">
+                <a:pos x="connsiteX2" y="connsiteY2"/>
+              </a:cxn>
+            </a:cxnLst>
+            <a:rect l="l" t="t" r="r" b="b"/>
+            <a:pathLst>
+              <a:path w="502369" h="1614115">
+                <a:moveTo>
+                  <a:pt x="0" y="0"/>
+                </a:moveTo>
+                <a:cubicBezTo>
+                  <a:pt x="187518" y="386301"/>
+                  <a:pt x="375036" y="772602"/>
+                  <a:pt x="453224" y="1041621"/>
+                </a:cubicBezTo>
+                <a:cubicBezTo>
+                  <a:pt x="531412" y="1310640"/>
+                  <a:pt x="500269" y="1462377"/>
+                  <a:pt x="469127" y="1614115"/>
+                </a:cubicBezTo>
+              </a:path>
+            </a:pathLst>
+          </a:custGeom>
+          <a:ln>
+            <a:solidFill>
+              <a:srgbClr val="C00000"/>
+            </a:solidFill>
+            <a:headEnd type="none" w="med" len="med"/>
+            <a:tailEnd type="arrow" w="med" len="med"/>
+          </a:ln>
+        </p:spPr>
+        <p:style>
+          <a:lnRef idx="3">
+            <a:schemeClr val="dk1"/>
+          </a:lnRef>
+          <a:fillRef idx="0">
+            <a:schemeClr val="dk1"/>
+          </a:fillRef>
+          <a:effectRef idx="2">
+            <a:schemeClr val="dk1"/>
+          </a:effectRef>
+          <a:fontRef idx="minor">
+            <a:schemeClr val="tx1"/>
+          </a:fontRef>
+        </p:style>
+        <p:txBody>
+          <a:bodyPr rtlCol="0" anchor="ctr"/>
+          <a:lstStyle/>
+          <a:p>
+            <a:pPr algn="ctr"/>
+            <a:endParaRPr lang="en-US"/>
+          </a:p>
+        </p:txBody>
+      </p:sp>
+      <p:sp>
+        <p:nvSpPr>
+          <p:cNvPr id="3" name="TextBox 2">
+            <a:extLst>
+              <a:ext uri="{FF2B5EF4-FFF2-40B4-BE49-F238E27FC236}">
+                <a16:creationId xmlns:a16="http://schemas.microsoft.com/office/drawing/2014/main" id="{849B305C-8C5D-475F-8767-AD0673DB360C}"/>
+              </a:ext>
+            </a:extLst>
+          </p:cNvPr>
+          <p:cNvSpPr txBox="1"/>
+          <p:nvPr/>
+        </p:nvSpPr>
+        <p:spPr>
+          <a:xfrm>
+            <a:off x="9434289" y="4631464"/>
+            <a:ext cx="1938672" cy="400110"/>
+          </a:xfrm>
+          <a:prstGeom prst="rect">
+            <a:avLst/>
+          </a:prstGeom>
+          <a:noFill/>
+        </p:spPr>
+        <p:txBody>
+          <a:bodyPr wrap="square" rtlCol="0">
+            <a:spAutoFit/>
+          </a:bodyPr>
+          <a:lstStyle/>
+          <a:p>
+            <a:r>
+              <a:rPr lang="en-US" sz="2000" dirty="0">
+                <a:solidFill>
+                  <a:srgbClr val="00B050"/>
+                </a:solidFill>
+              </a:rPr>
+              <a:t>Light</a:t>
+            </a:r>
+          </a:p>
+        </p:txBody>
+      </p:sp>
+      <p:sp>
+        <p:nvSpPr>
+          <p:cNvPr id="5" name="TextBox 4">
+            <a:extLst>
+              <a:ext uri="{FF2B5EF4-FFF2-40B4-BE49-F238E27FC236}">
+                <a16:creationId xmlns:a16="http://schemas.microsoft.com/office/drawing/2014/main" id="{FF43BF18-04DF-4B68-AAFE-90E8522026E7}"/>
+              </a:ext>
+            </a:extLst>
+          </p:cNvPr>
+          <p:cNvSpPr txBox="1"/>
+          <p:nvPr/>
+        </p:nvSpPr>
+        <p:spPr>
+          <a:xfrm>
+            <a:off x="9245150" y="2026481"/>
+            <a:ext cx="1938672" cy="400110"/>
+          </a:xfrm>
+          <a:prstGeom prst="rect">
+            <a:avLst/>
+          </a:prstGeom>
+          <a:noFill/>
+        </p:spPr>
+        <p:txBody>
+          <a:bodyPr wrap="square" rtlCol="0">
+            <a:spAutoFit/>
+          </a:bodyPr>
+          <a:lstStyle/>
+          <a:p>
+            <a:r>
+              <a:rPr lang="en-US" sz="2000" dirty="0"/>
+              <a:t>Set Light</a:t>
+            </a:r>
+          </a:p>
+        </p:txBody>
+      </p:sp>
+      <p:sp>
+        <p:nvSpPr>
+          <p:cNvPr id="8" name="Freeform: Shape 7">
+            <a:extLst>
+              <a:ext uri="{FF2B5EF4-FFF2-40B4-BE49-F238E27FC236}">
+                <a16:creationId xmlns:a16="http://schemas.microsoft.com/office/drawing/2014/main" id="{2EEC4EA1-4168-49C8-AD03-9F682283E5A6}"/>
+              </a:ext>
+            </a:extLst>
+          </p:cNvPr>
+          <p:cNvSpPr/>
+          <p:nvPr/>
+        </p:nvSpPr>
+        <p:spPr>
+          <a:xfrm>
+            <a:off x="8717872" y="3586579"/>
+            <a:ext cx="1003177" cy="1083075"/>
+          </a:xfrm>
+          <a:custGeom>
+            <a:avLst/>
+            <a:gdLst>
+              <a:gd name="connsiteX0" fmla="*/ 0 w 1003177"/>
+              <a:gd name="connsiteY0" fmla="*/ 0 h 1083075"/>
+              <a:gd name="connsiteX1" fmla="*/ 1003177 w 1003177"/>
+              <a:gd name="connsiteY1" fmla="*/ 1083075 h 1083075"/>
+            </a:gdLst>
+            <a:ahLst/>
+            <a:cxnLst>
+              <a:cxn ang="0">
+                <a:pos x="connsiteX0" y="connsiteY0"/>
+              </a:cxn>
+              <a:cxn ang="0">
+                <a:pos x="connsiteX1" y="connsiteY1"/>
+              </a:cxn>
+            </a:cxnLst>
+            <a:rect l="l" t="t" r="r" b="b"/>
+            <a:pathLst>
+              <a:path w="1003177" h="1083075">
+                <a:moveTo>
+                  <a:pt x="0" y="0"/>
+                </a:moveTo>
+                <a:cubicBezTo>
+                  <a:pt x="358066" y="477174"/>
+                  <a:pt x="716132" y="954349"/>
+                  <a:pt x="1003177" y="1083075"/>
+                </a:cubicBezTo>
+              </a:path>
+            </a:pathLst>
+          </a:custGeom>
+          <a:ln>
+            <a:solidFill>
+              <a:srgbClr val="00B050"/>
+            </a:solidFill>
+            <a:headEnd type="none" w="med" len="med"/>
+            <a:tailEnd type="arrow" w="med" len="med"/>
+          </a:ln>
+        </p:spPr>
+        <p:style>
+          <a:lnRef idx="3">
+            <a:schemeClr val="dk1"/>
+          </a:lnRef>
+          <a:fillRef idx="0">
+            <a:schemeClr val="dk1"/>
+          </a:fillRef>
+          <a:effectRef idx="2">
+            <a:schemeClr val="dk1"/>
+          </a:effectRef>
+          <a:fontRef idx="minor">
+            <a:schemeClr val="tx1"/>
+          </a:fontRef>
+        </p:style>
+        <p:txBody>
+          <a:bodyPr rtlCol="0" anchor="ctr"/>
+          <a:lstStyle/>
+          <a:p>
+            <a:pPr algn="ctr"/>
+            <a:endParaRPr lang="en-US"/>
+          </a:p>
+        </p:txBody>
+      </p:sp>
+      <p:sp>
+        <p:nvSpPr>
+          <p:cNvPr id="10" name="Freeform: Shape 9">
+            <a:extLst>
+              <a:ext uri="{FF2B5EF4-FFF2-40B4-BE49-F238E27FC236}">
+                <a16:creationId xmlns:a16="http://schemas.microsoft.com/office/drawing/2014/main" id="{CDC58A15-1B7F-45AC-A130-C6AD2F77ACE2}"/>
+              </a:ext>
+            </a:extLst>
+          </p:cNvPr>
+          <p:cNvSpPr/>
+          <p:nvPr/>
+        </p:nvSpPr>
+        <p:spPr>
+          <a:xfrm>
+            <a:off x="9348186" y="2343705"/>
+            <a:ext cx="328474" cy="861134"/>
+          </a:xfrm>
+          <a:custGeom>
+            <a:avLst/>
+            <a:gdLst>
+              <a:gd name="connsiteX0" fmla="*/ 0 w 328474"/>
+              <a:gd name="connsiteY0" fmla="*/ 861134 h 861134"/>
+              <a:gd name="connsiteX1" fmla="*/ 142043 w 328474"/>
+              <a:gd name="connsiteY1" fmla="*/ 301841 h 861134"/>
+              <a:gd name="connsiteX2" fmla="*/ 328474 w 328474"/>
+              <a:gd name="connsiteY2" fmla="*/ 0 h 861134"/>
+            </a:gdLst>
+            <a:ahLst/>
+            <a:cxnLst>
+              <a:cxn ang="0">
+                <a:pos x="connsiteX0" y="connsiteY0"/>
+              </a:cxn>
+              <a:cxn ang="0">
+                <a:pos x="connsiteX1" y="connsiteY1"/>
+              </a:cxn>
+              <a:cxn ang="0">
+                <a:pos x="connsiteX2" y="connsiteY2"/>
+              </a:cxn>
+            </a:cxnLst>
+            <a:rect l="l" t="t" r="r" b="b"/>
+            <a:pathLst>
+              <a:path w="328474" h="861134">
+                <a:moveTo>
+                  <a:pt x="0" y="861134"/>
+                </a:moveTo>
+                <a:cubicBezTo>
+                  <a:pt x="43648" y="653248"/>
+                  <a:pt x="87297" y="445363"/>
+                  <a:pt x="142043" y="301841"/>
+                </a:cubicBezTo>
+                <a:cubicBezTo>
+                  <a:pt x="196789" y="158319"/>
+                  <a:pt x="262631" y="79159"/>
+                  <a:pt x="328474" y="0"/>
                 </a:cubicBezTo>
               </a:path>
             </a:pathLst>
